--- a/165 - O Come All Ye Faithful.pptx
+++ b/165 - O Come All Ye Faithful.pptx
@@ -6,11 +6,8 @@
   </p:sldMasterIdLst>
   <p:sldIdLst>
     <p:sldId id="256" r:id="rId2"/>
-    <p:sldId id="257" r:id="rId3"/>
-    <p:sldId id="258" r:id="rId4"/>
-    <p:sldId id="259" r:id="rId5"/>
-    <p:sldId id="260" r:id="rId6"/>
-    <p:sldId id="261" r:id="rId7"/>
+    <p:sldId id="258" r:id="rId3"/>
+    <p:sldId id="260" r:id="rId4"/>
   </p:sldIdLst>
   <p:sldSz cx="12192000" cy="6858000"/>
   <p:notesSz cx="6858000" cy="9144000"/>
@@ -246,7 +243,7 @@
           <a:p>
             <a:fld id="{32F7251A-AE54-443C-B8FE-5F636E835EBF}" type="datetimeFigureOut">
               <a:rPr lang="en-US" smtClean="0"/>
-              <a:t>12/9/2018</a:t>
+              <a:t>12/15/2019</a:t>
             </a:fld>
             <a:endParaRPr lang="en-US"/>
           </a:p>
@@ -414,7 +411,7 @@
           <a:p>
             <a:fld id="{32F7251A-AE54-443C-B8FE-5F636E835EBF}" type="datetimeFigureOut">
               <a:rPr lang="en-US" smtClean="0"/>
-              <a:t>12/9/2018</a:t>
+              <a:t>12/15/2019</a:t>
             </a:fld>
             <a:endParaRPr lang="en-US"/>
           </a:p>
@@ -592,7 +589,7 @@
           <a:p>
             <a:fld id="{32F7251A-AE54-443C-B8FE-5F636E835EBF}" type="datetimeFigureOut">
               <a:rPr lang="en-US" smtClean="0"/>
-              <a:t>12/9/2018</a:t>
+              <a:t>12/15/2019</a:t>
             </a:fld>
             <a:endParaRPr lang="en-US"/>
           </a:p>
@@ -760,7 +757,7 @@
           <a:p>
             <a:fld id="{32F7251A-AE54-443C-B8FE-5F636E835EBF}" type="datetimeFigureOut">
               <a:rPr lang="en-US" smtClean="0"/>
-              <a:t>12/9/2018</a:t>
+              <a:t>12/15/2019</a:t>
             </a:fld>
             <a:endParaRPr lang="en-US"/>
           </a:p>
@@ -1005,7 +1002,7 @@
           <a:p>
             <a:fld id="{32F7251A-AE54-443C-B8FE-5F636E835EBF}" type="datetimeFigureOut">
               <a:rPr lang="en-US" smtClean="0"/>
-              <a:t>12/9/2018</a:t>
+              <a:t>12/15/2019</a:t>
             </a:fld>
             <a:endParaRPr lang="en-US"/>
           </a:p>
@@ -1234,7 +1231,7 @@
           <a:p>
             <a:fld id="{32F7251A-AE54-443C-B8FE-5F636E835EBF}" type="datetimeFigureOut">
               <a:rPr lang="en-US" smtClean="0"/>
-              <a:t>12/9/2018</a:t>
+              <a:t>12/15/2019</a:t>
             </a:fld>
             <a:endParaRPr lang="en-US"/>
           </a:p>
@@ -1598,7 +1595,7 @@
           <a:p>
             <a:fld id="{32F7251A-AE54-443C-B8FE-5F636E835EBF}" type="datetimeFigureOut">
               <a:rPr lang="en-US" smtClean="0"/>
-              <a:t>12/9/2018</a:t>
+              <a:t>12/15/2019</a:t>
             </a:fld>
             <a:endParaRPr lang="en-US"/>
           </a:p>
@@ -1715,7 +1712,7 @@
           <a:p>
             <a:fld id="{32F7251A-AE54-443C-B8FE-5F636E835EBF}" type="datetimeFigureOut">
               <a:rPr lang="en-US" smtClean="0"/>
-              <a:t>12/9/2018</a:t>
+              <a:t>12/15/2019</a:t>
             </a:fld>
             <a:endParaRPr lang="en-US"/>
           </a:p>
@@ -1810,7 +1807,7 @@
           <a:p>
             <a:fld id="{32F7251A-AE54-443C-B8FE-5F636E835EBF}" type="datetimeFigureOut">
               <a:rPr lang="en-US" smtClean="0"/>
-              <a:t>12/9/2018</a:t>
+              <a:t>12/15/2019</a:t>
             </a:fld>
             <a:endParaRPr lang="en-US"/>
           </a:p>
@@ -2085,7 +2082,7 @@
           <a:p>
             <a:fld id="{32F7251A-AE54-443C-B8FE-5F636E835EBF}" type="datetimeFigureOut">
               <a:rPr lang="en-US" smtClean="0"/>
-              <a:t>12/9/2018</a:t>
+              <a:t>12/15/2019</a:t>
             </a:fld>
             <a:endParaRPr lang="en-US"/>
           </a:p>
@@ -2337,7 +2334,7 @@
           <a:p>
             <a:fld id="{32F7251A-AE54-443C-B8FE-5F636E835EBF}" type="datetimeFigureOut">
               <a:rPr lang="en-US" smtClean="0"/>
-              <a:t>12/9/2018</a:t>
+              <a:t>12/15/2019</a:t>
             </a:fld>
             <a:endParaRPr lang="en-US"/>
           </a:p>
@@ -2404,7 +2401,9 @@
     <p:bg>
       <p:bgPr>
         <a:solidFill>
-          <a:srgbClr val="333333"/>
+          <a:schemeClr val="bg1">
+            <a:lumMod val="10000"/>
+          </a:schemeClr>
         </a:solidFill>
         <a:effectLst/>
       </p:bgPr>
@@ -2551,7 +2550,7 @@
           <a:p>
             <a:fld id="{32F7251A-AE54-443C-B8FE-5F636E835EBF}" type="datetimeFigureOut">
               <a:rPr lang="en-US" smtClean="0"/>
-              <a:t>12/9/2018</a:t>
+              <a:t>12/15/2019</a:t>
             </a:fld>
             <a:endParaRPr lang="en-US"/>
           </a:p>
@@ -3033,15 +3032,23 @@
           <a:bodyPr wrap="square" rtlCol="0" anchor="ctr">
             <a:spAutoFit/>
           </a:bodyPr>
-          <a:lstStyle/>
-          <a:p>
-            <a:pPr algn="ctr"/>
-            <a:r>
-              <a:rPr lang="en-US" sz="4800" dirty="0">
+          <a:lstStyle>
+            <a:defPPr>
+              <a:defRPr lang="en-US"/>
+            </a:defPPr>
+            <a:lvl1pPr algn="ctr">
+              <a:defRPr sz="3200" u="sng">
                 <a:solidFill>
                   <a:schemeClr val="bg1"/>
                 </a:solidFill>
-              </a:rPr>
+                <a:latin typeface="Assistant SemiBold" panose="00000700000000000000" pitchFamily="2" charset="-79"/>
+                <a:cs typeface="Assistant SemiBold" panose="00000700000000000000" pitchFamily="2" charset="-79"/>
+              </a:defRPr>
+            </a:lvl1pPr>
+          </a:lstStyle>
+          <a:p>
+            <a:r>
+              <a:rPr lang="en-US" dirty="0"/>
               <a:t>“O Come, All Ye Faithful”</a:t>
             </a:r>
           </a:p>
@@ -3055,8 +3062,8 @@
         </p:nvSpPr>
         <p:spPr>
           <a:xfrm>
-            <a:off x="-92765" y="719390"/>
-            <a:ext cx="12192000" cy="3416320"/>
+            <a:off x="0" y="389311"/>
+            <a:ext cx="12192000" cy="4832092"/>
           </a:xfrm>
           <a:prstGeom prst="rect">
             <a:avLst/>
@@ -3067,68 +3074,78 @@
           <a:bodyPr wrap="square" rtlCol="0">
             <a:spAutoFit/>
           </a:bodyPr>
-          <a:lstStyle/>
-          <a:p>
-            <a:pPr algn="ctr"/>
-            <a:r>
-              <a:rPr lang="en-US" sz="3600" dirty="0">
+          <a:lstStyle>
+            <a:defPPr>
+              <a:defRPr lang="en-US"/>
+            </a:defPPr>
+            <a:lvl1pPr algn="ctr">
+              <a:defRPr sz="2800" spc="50">
                 <a:solidFill>
                   <a:schemeClr val="bg1"/>
                 </a:solidFill>
-              </a:rPr>
+                <a:latin typeface="Assistant" panose="00000500000000000000" pitchFamily="2" charset="-79"/>
+                <a:cs typeface="Assistant" panose="00000500000000000000" pitchFamily="2" charset="-79"/>
+              </a:defRPr>
+            </a:lvl1pPr>
+          </a:lstStyle>
+          <a:p>
+            <a:r>
+              <a:rPr lang="en-US" dirty="0"/>
               <a:t>O come, all ye faithful,</a:t>
             </a:r>
           </a:p>
           <a:p>
-            <a:pPr algn="ctr"/>
-            <a:r>
-              <a:rPr lang="en-US" sz="3600" dirty="0">
-                <a:solidFill>
-                  <a:schemeClr val="bg1"/>
-                </a:solidFill>
-              </a:rPr>
+            <a:r>
+              <a:rPr lang="en-US" dirty="0"/>
               <a:t>Joyful and triumphant, </a:t>
             </a:r>
           </a:p>
           <a:p>
-            <a:pPr algn="ctr"/>
-            <a:endParaRPr lang="en-US" sz="3600" dirty="0">
-              <a:solidFill>
-                <a:schemeClr val="bg1"/>
-              </a:solidFill>
-            </a:endParaRPr>
-          </a:p>
-          <a:p>
-            <a:pPr algn="ctr"/>
-            <a:r>
-              <a:rPr lang="en-US" sz="3600" dirty="0">
-                <a:solidFill>
-                  <a:schemeClr val="bg1"/>
-                </a:solidFill>
-              </a:rPr>
+            <a:endParaRPr lang="en-US" dirty="0"/>
+          </a:p>
+          <a:p>
+            <a:r>
+              <a:rPr lang="en-US" dirty="0"/>
               <a:t>O come ye, O come ye to Bethlehem;</a:t>
             </a:r>
           </a:p>
           <a:p>
-            <a:pPr algn="ctr"/>
-            <a:r>
-              <a:rPr lang="en-US" sz="3600" dirty="0">
-                <a:solidFill>
-                  <a:schemeClr val="bg1"/>
-                </a:solidFill>
-              </a:rPr>
-              <a:t>Come and behold him </a:t>
-            </a:r>
-          </a:p>
-          <a:p>
-            <a:pPr algn="ctr"/>
-            <a:r>
-              <a:rPr lang="en-US" sz="3600" dirty="0">
-                <a:solidFill>
-                  <a:schemeClr val="bg1"/>
-                </a:solidFill>
-              </a:rPr>
-              <a:t>Born the King of angels</a:t>
+            <a:r>
+              <a:rPr lang="en-US" dirty="0"/>
+              <a:t>Come and behold Him,</a:t>
+            </a:r>
+          </a:p>
+          <a:p>
+            <a:r>
+              <a:rPr lang="en-US" dirty="0"/>
+              <a:t>Born the King of angels,</a:t>
+            </a:r>
+          </a:p>
+          <a:p>
+            <a:endParaRPr lang="en-US" dirty="0"/>
+          </a:p>
+          <a:p>
+            <a:r>
+              <a:rPr lang="en-US" dirty="0"/>
+              <a:t>O come let us adore Him,</a:t>
+            </a:r>
+          </a:p>
+          <a:p>
+            <a:r>
+              <a:rPr lang="en-US" dirty="0"/>
+              <a:t>O come let us adore Him,</a:t>
+            </a:r>
+          </a:p>
+          <a:p>
+            <a:r>
+              <a:rPr lang="en-US" dirty="0"/>
+              <a:t>O come let us adore Him,</a:t>
+            </a:r>
+          </a:p>
+          <a:p>
+            <a:r>
+              <a:rPr lang="en-US" dirty="0"/>
+              <a:t>Christ the Lord.</a:t>
             </a:r>
           </a:p>
         </p:txBody>
@@ -3222,14 +3239,14 @@
       </p:sp>
       <p:sp>
         <p:nvSpPr>
-          <p:cNvPr id="7" name="TextBox 6"/>
+          <p:cNvPr id="8" name="TextBox 7"/>
           <p:cNvSpPr txBox="1"/>
           <p:nvPr/>
         </p:nvSpPr>
         <p:spPr>
           <a:xfrm>
-            <a:off x="0" y="5804209"/>
-            <a:ext cx="12192000" cy="830997"/>
+            <a:off x="0" y="389311"/>
+            <a:ext cx="12192000" cy="4832092"/>
           </a:xfrm>
           <a:prstGeom prst="rect">
             <a:avLst/>
@@ -3237,33 +3254,101 @@
           <a:noFill/>
         </p:spPr>
         <p:txBody>
-          <a:bodyPr wrap="square" rtlCol="0" anchor="ctr">
+          <a:bodyPr wrap="square" rtlCol="0">
             <a:spAutoFit/>
           </a:bodyPr>
-          <a:lstStyle/>
-          <a:p>
-            <a:pPr algn="ctr"/>
-            <a:r>
-              <a:rPr lang="en-US" sz="4800" dirty="0">
+          <a:lstStyle>
+            <a:defPPr>
+              <a:defRPr lang="en-US"/>
+            </a:defPPr>
+            <a:lvl1pPr algn="ctr">
+              <a:defRPr sz="2800" spc="50">
                 <a:solidFill>
                   <a:schemeClr val="bg1"/>
                 </a:solidFill>
-              </a:rPr>
-              <a:t>“O Come, All Ye Faithful</a:t>
-            </a:r>
-          </a:p>
-        </p:txBody>
-      </p:sp>
-      <p:sp>
-        <p:nvSpPr>
-          <p:cNvPr id="8" name="TextBox 7"/>
+                <a:latin typeface="Assistant" panose="00000500000000000000" pitchFamily="2" charset="-79"/>
+                <a:cs typeface="Assistant" panose="00000500000000000000" pitchFamily="2" charset="-79"/>
+              </a:defRPr>
+            </a:lvl1pPr>
+          </a:lstStyle>
+          <a:p>
+            <a:r>
+              <a:rPr lang="en-US" dirty="0"/>
+              <a:t>O sing, choirs of angels,</a:t>
+            </a:r>
+          </a:p>
+          <a:p>
+            <a:r>
+              <a:rPr lang="en-US" dirty="0"/>
+              <a:t>Sing in exaltation,</a:t>
+            </a:r>
+          </a:p>
+          <a:p>
+            <a:endParaRPr lang="en-US" dirty="0"/>
+          </a:p>
+          <a:p>
+            <a:r>
+              <a:rPr lang="en-US" dirty="0"/>
+              <a:t>O sing, all ye citizens of heaven above;</a:t>
+            </a:r>
+          </a:p>
+          <a:p>
+            <a:r>
+              <a:rPr lang="en-US" dirty="0"/>
+              <a:t>Glory to God, all,</a:t>
+            </a:r>
+          </a:p>
+          <a:p>
+            <a:r>
+              <a:rPr lang="en-US" dirty="0"/>
+              <a:t>Glory in the highest;</a:t>
+            </a:r>
+          </a:p>
+          <a:p>
+            <a:endParaRPr lang="en-US" dirty="0"/>
+          </a:p>
+          <a:p>
+            <a:r>
+              <a:rPr lang="en-US" dirty="0"/>
+              <a:t>O come let us adore Him,</a:t>
+            </a:r>
+          </a:p>
+          <a:p>
+            <a:r>
+              <a:rPr lang="en-US" dirty="0"/>
+              <a:t>O come let us adore Him,</a:t>
+            </a:r>
+          </a:p>
+          <a:p>
+            <a:r>
+              <a:rPr lang="en-US" dirty="0"/>
+              <a:t>O come let us adore Him,</a:t>
+            </a:r>
+          </a:p>
+          <a:p>
+            <a:r>
+              <a:rPr lang="en-US" dirty="0"/>
+              <a:t>Christ the Lord.</a:t>
+            </a:r>
+          </a:p>
+        </p:txBody>
+      </p:sp>
+      <p:sp>
+        <p:nvSpPr>
+          <p:cNvPr id="5" name="TextBox 4">
+            <a:extLst>
+              <a:ext uri="{FF2B5EF4-FFF2-40B4-BE49-F238E27FC236}">
+                <a16:creationId xmlns:a16="http://schemas.microsoft.com/office/drawing/2014/main" id="{9EDB3FAC-6ED7-4DFD-ABAD-53D98A40A3B1}"/>
+              </a:ext>
+            </a:extLst>
+          </p:cNvPr>
           <p:cNvSpPr txBox="1"/>
           <p:nvPr/>
         </p:nvSpPr>
         <p:spPr>
           <a:xfrm>
-            <a:off x="0" y="1120676"/>
-            <a:ext cx="12192000" cy="2308324"/>
+            <a:off x="0" y="5927320"/>
+            <a:ext cx="12192000" cy="584775"/>
           </a:xfrm>
           <a:prstGeom prst="rect">
             <a:avLst/>
@@ -3271,52 +3356,27 @@
           <a:noFill/>
         </p:spPr>
         <p:txBody>
-          <a:bodyPr wrap="square" rtlCol="0">
+          <a:bodyPr wrap="square" rtlCol="0" anchor="ctr">
             <a:spAutoFit/>
           </a:bodyPr>
-          <a:lstStyle/>
-          <a:p>
-            <a:pPr algn="ctr"/>
-            <a:r>
-              <a:rPr lang="en-US" sz="3600" dirty="0">
+          <a:lstStyle>
+            <a:defPPr>
+              <a:defRPr lang="en-US"/>
+            </a:defPPr>
+            <a:lvl1pPr algn="ctr">
+              <a:defRPr sz="3200" u="sng">
                 <a:solidFill>
                   <a:schemeClr val="bg1"/>
                 </a:solidFill>
-              </a:rPr>
-              <a:t>O come let us adore him,</a:t>
-            </a:r>
-          </a:p>
-          <a:p>
-            <a:pPr algn="ctr"/>
-            <a:r>
-              <a:rPr lang="en-US" sz="3600" dirty="0">
-                <a:solidFill>
-                  <a:schemeClr val="bg1"/>
-                </a:solidFill>
-              </a:rPr>
-              <a:t>O come let us adore him,</a:t>
-            </a:r>
-          </a:p>
-          <a:p>
-            <a:pPr algn="ctr"/>
-            <a:r>
-              <a:rPr lang="en-US" sz="3600" dirty="0">
-                <a:solidFill>
-                  <a:schemeClr val="bg1"/>
-                </a:solidFill>
-              </a:rPr>
-              <a:t>O come let us adore him,</a:t>
-            </a:r>
-          </a:p>
-          <a:p>
-            <a:pPr algn="ctr"/>
-            <a:r>
-              <a:rPr lang="en-US" sz="3600" dirty="0">
-                <a:solidFill>
-                  <a:schemeClr val="bg1"/>
-                </a:solidFill>
-              </a:rPr>
-              <a:t>Christ the Lord.</a:t>
+                <a:latin typeface="Assistant SemiBold" panose="00000700000000000000" pitchFamily="2" charset="-79"/>
+                <a:cs typeface="Assistant SemiBold" panose="00000700000000000000" pitchFamily="2" charset="-79"/>
+              </a:defRPr>
+            </a:lvl1pPr>
+          </a:lstStyle>
+          <a:p>
+            <a:r>
+              <a:rPr lang="en-US" dirty="0"/>
+              <a:t>“O Come, All Ye Faithful”</a:t>
             </a:r>
           </a:p>
         </p:txBody>
@@ -3324,7 +3384,7 @@
     </p:spTree>
     <p:extLst>
       <p:ext uri="{BB962C8B-B14F-4D97-AF65-F5344CB8AC3E}">
-        <p14:creationId xmlns:p14="http://schemas.microsoft.com/office/powerpoint/2010/main" val="2903705901"/>
+        <p14:creationId xmlns:p14="http://schemas.microsoft.com/office/powerpoint/2010/main" val="931180990"/>
       </p:ext>
     </p:extLst>
   </p:cSld>
@@ -3410,14 +3470,14 @@
       </p:sp>
       <p:sp>
         <p:nvSpPr>
-          <p:cNvPr id="7" name="TextBox 6"/>
+          <p:cNvPr id="8" name="TextBox 7"/>
           <p:cNvSpPr txBox="1"/>
           <p:nvPr/>
         </p:nvSpPr>
         <p:spPr>
           <a:xfrm>
-            <a:off x="0" y="5804209"/>
-            <a:ext cx="12192000" cy="830997"/>
+            <a:off x="0" y="391609"/>
+            <a:ext cx="12192000" cy="4832092"/>
           </a:xfrm>
           <a:prstGeom prst="rect">
             <a:avLst/>
@@ -3425,33 +3485,101 @@
           <a:noFill/>
         </p:spPr>
         <p:txBody>
-          <a:bodyPr wrap="square" rtlCol="0" anchor="ctr">
+          <a:bodyPr wrap="square" rtlCol="0">
             <a:spAutoFit/>
           </a:bodyPr>
-          <a:lstStyle/>
-          <a:p>
-            <a:pPr algn="ctr"/>
-            <a:r>
-              <a:rPr lang="en-US" sz="4800" dirty="0">
+          <a:lstStyle>
+            <a:defPPr>
+              <a:defRPr lang="en-US"/>
+            </a:defPPr>
+            <a:lvl1pPr algn="ctr">
+              <a:defRPr sz="2800" spc="50">
                 <a:solidFill>
                   <a:schemeClr val="bg1"/>
                 </a:solidFill>
-              </a:rPr>
-              <a:t>“O Come, All Ye Faithful”</a:t>
-            </a:r>
-          </a:p>
-        </p:txBody>
-      </p:sp>
-      <p:sp>
-        <p:nvSpPr>
-          <p:cNvPr id="8" name="TextBox 7"/>
+                <a:latin typeface="Assistant" panose="00000500000000000000" pitchFamily="2" charset="-79"/>
+                <a:cs typeface="Assistant" panose="00000500000000000000" pitchFamily="2" charset="-79"/>
+              </a:defRPr>
+            </a:lvl1pPr>
+          </a:lstStyle>
+          <a:p>
+            <a:r>
+              <a:rPr lang="en-US" dirty="0"/>
+              <a:t>All hail! Lord, we greet Thee,</a:t>
+            </a:r>
+          </a:p>
+          <a:p>
+            <a:r>
+              <a:rPr lang="en-US" dirty="0"/>
+              <a:t>Born this happy morning,</a:t>
+            </a:r>
+          </a:p>
+          <a:p>
+            <a:endParaRPr lang="en-US" dirty="0"/>
+          </a:p>
+          <a:p>
+            <a:r>
+              <a:rPr lang="en-US" dirty="0"/>
+              <a:t>O Jesus, to Thee be all glory given;</a:t>
+            </a:r>
+          </a:p>
+          <a:p>
+            <a:r>
+              <a:rPr lang="en-US" dirty="0"/>
+              <a:t>Word of the Father,</a:t>
+            </a:r>
+          </a:p>
+          <a:p>
+            <a:r>
+              <a:rPr lang="en-US" dirty="0"/>
+              <a:t>Now in flesh appearing;</a:t>
+            </a:r>
+          </a:p>
+          <a:p>
+            <a:endParaRPr lang="en-US" dirty="0"/>
+          </a:p>
+          <a:p>
+            <a:r>
+              <a:rPr lang="en-US" dirty="0"/>
+              <a:t>O come let us adore Him,</a:t>
+            </a:r>
+          </a:p>
+          <a:p>
+            <a:r>
+              <a:rPr lang="en-US" dirty="0"/>
+              <a:t>O come let us adore Him,</a:t>
+            </a:r>
+          </a:p>
+          <a:p>
+            <a:r>
+              <a:rPr lang="en-US" dirty="0"/>
+              <a:t>O come let us adore Him,</a:t>
+            </a:r>
+          </a:p>
+          <a:p>
+            <a:r>
+              <a:rPr lang="en-US" dirty="0"/>
+              <a:t>Christ the Lord.</a:t>
+            </a:r>
+          </a:p>
+        </p:txBody>
+      </p:sp>
+      <p:sp>
+        <p:nvSpPr>
+          <p:cNvPr id="5" name="TextBox 4">
+            <a:extLst>
+              <a:ext uri="{FF2B5EF4-FFF2-40B4-BE49-F238E27FC236}">
+                <a16:creationId xmlns:a16="http://schemas.microsoft.com/office/drawing/2014/main" id="{9B1125CF-50A8-49F7-BBF6-6594D3AB2BD1}"/>
+              </a:ext>
+            </a:extLst>
+          </p:cNvPr>
           <p:cNvSpPr txBox="1"/>
           <p:nvPr/>
         </p:nvSpPr>
         <p:spPr>
           <a:xfrm>
-            <a:off x="-92765" y="719390"/>
-            <a:ext cx="12192000" cy="3970318"/>
+            <a:off x="0" y="5927320"/>
+            <a:ext cx="12192000" cy="584775"/>
           </a:xfrm>
           <a:prstGeom prst="rect">
             <a:avLst/>
@@ -3459,483 +3587,28 @@
           <a:noFill/>
         </p:spPr>
         <p:txBody>
-          <a:bodyPr wrap="square" rtlCol="0">
+          <a:bodyPr wrap="square" rtlCol="0" anchor="ctr">
             <a:spAutoFit/>
           </a:bodyPr>
-          <a:lstStyle/>
-          <a:p>
-            <a:pPr algn="ctr"/>
-            <a:r>
-              <a:rPr lang="en-US" sz="3600" dirty="0">
+          <a:lstStyle>
+            <a:defPPr>
+              <a:defRPr lang="en-US"/>
+            </a:defPPr>
+            <a:lvl1pPr algn="ctr">
+              <a:defRPr sz="3200" u="sng">
                 <a:solidFill>
                   <a:schemeClr val="bg1"/>
                 </a:solidFill>
-              </a:rPr>
-              <a:t>O sing, choirs of angels,</a:t>
-            </a:r>
-          </a:p>
-          <a:p>
-            <a:pPr algn="ctr"/>
-            <a:r>
-              <a:rPr lang="en-US" sz="3600" dirty="0">
-                <a:solidFill>
-                  <a:schemeClr val="bg1"/>
-                </a:solidFill>
-              </a:rPr>
-              <a:t>Sing in exultation,</a:t>
-            </a:r>
-          </a:p>
-          <a:p>
-            <a:pPr algn="ctr"/>
-            <a:endParaRPr lang="en-US" sz="3600" dirty="0">
-              <a:solidFill>
-                <a:schemeClr val="bg1"/>
-              </a:solidFill>
-            </a:endParaRPr>
-          </a:p>
-          <a:p>
-            <a:pPr algn="ctr"/>
-            <a:r>
-              <a:rPr lang="en-US" sz="3600" dirty="0">
-                <a:solidFill>
-                  <a:schemeClr val="bg1"/>
-                </a:solidFill>
-              </a:rPr>
-              <a:t>O sing, all ye citizens of heaven above;</a:t>
-            </a:r>
-          </a:p>
-          <a:p>
-            <a:pPr algn="ctr"/>
-            <a:r>
-              <a:rPr lang="en-US" sz="3600" dirty="0">
-                <a:solidFill>
-                  <a:schemeClr val="bg1"/>
-                </a:solidFill>
-              </a:rPr>
-              <a:t>Glory to God, all,</a:t>
-            </a:r>
-          </a:p>
-          <a:p>
-            <a:pPr algn="ctr"/>
-            <a:r>
-              <a:rPr lang="en-US" sz="3600" dirty="0">
-                <a:solidFill>
-                  <a:schemeClr val="bg1"/>
-                </a:solidFill>
-              </a:rPr>
-              <a:t>Glory in the highest;</a:t>
-            </a:r>
-          </a:p>
-          <a:p>
-            <a:pPr algn="ctr"/>
-            <a:endParaRPr lang="en-US" sz="3600" dirty="0">
-              <a:solidFill>
-                <a:schemeClr val="bg1"/>
-              </a:solidFill>
-            </a:endParaRPr>
-          </a:p>
-        </p:txBody>
-      </p:sp>
-    </p:spTree>
-    <p:extLst>
-      <p:ext uri="{BB962C8B-B14F-4D97-AF65-F5344CB8AC3E}">
-        <p14:creationId xmlns:p14="http://schemas.microsoft.com/office/powerpoint/2010/main" val="931180990"/>
-      </p:ext>
-    </p:extLst>
-  </p:cSld>
-  <p:clrMapOvr>
-    <a:masterClrMapping/>
-  </p:clrMapOvr>
-</p:sld>
-</file>
-
-<file path=ppt/slides/slide4.xml><?xml version="1.0" encoding="utf-8"?>
-<p:sld xmlns:a="http://schemas.openxmlformats.org/drawingml/2006/main" xmlns:r="http://schemas.openxmlformats.org/officeDocument/2006/relationships" xmlns:p="http://schemas.openxmlformats.org/presentationml/2006/main">
-  <p:cSld>
-    <p:spTree>
-      <p:nvGrpSpPr>
-        <p:cNvPr id="1" name=""/>
-        <p:cNvGrpSpPr/>
-        <p:nvPr/>
-      </p:nvGrpSpPr>
-      <p:grpSpPr>
-        <a:xfrm>
-          <a:off x="0" y="0"/>
-          <a:ext cx="0" cy="0"/>
-          <a:chOff x="0" y="0"/>
-          <a:chExt cx="0" cy="0"/>
-        </a:xfrm>
-      </p:grpSpPr>
-      <p:sp>
-        <p:nvSpPr>
-          <p:cNvPr id="4" name="Rectangle 3"/>
-          <p:cNvSpPr/>
-          <p:nvPr/>
-        </p:nvSpPr>
-        <p:spPr>
-          <a:xfrm>
-            <a:off x="0" y="5444197"/>
-            <a:ext cx="12192000" cy="1413803"/>
-          </a:xfrm>
-          <a:prstGeom prst="rect">
-            <a:avLst/>
-          </a:prstGeom>
-          <a:gradFill flip="none" rotWithShape="1">
-            <a:gsLst>
-              <a:gs pos="0">
-                <a:srgbClr val="998675">
-                  <a:alpha val="0"/>
-                </a:srgbClr>
-              </a:gs>
-              <a:gs pos="100000">
-                <a:srgbClr val="998675"/>
-              </a:gs>
-            </a:gsLst>
-            <a:lin ang="5400000" scaled="1"/>
-            <a:tileRect/>
-          </a:gradFill>
-          <a:ln>
-            <a:noFill/>
-          </a:ln>
-        </p:spPr>
-        <p:style>
-          <a:lnRef idx="2">
-            <a:schemeClr val="accent1">
-              <a:shade val="50000"/>
-            </a:schemeClr>
-          </a:lnRef>
-          <a:fillRef idx="1">
-            <a:schemeClr val="accent1"/>
-          </a:fillRef>
-          <a:effectRef idx="0">
-            <a:schemeClr val="accent1"/>
-          </a:effectRef>
-          <a:fontRef idx="minor">
-            <a:schemeClr val="lt1"/>
-          </a:fontRef>
-        </p:style>
-        <p:txBody>
-          <a:bodyPr rtlCol="0" anchor="ctr"/>
-          <a:lstStyle/>
-          <a:p>
-            <a:pPr algn="ctr"/>
-            <a:endParaRPr lang="en-US"/>
-          </a:p>
-        </p:txBody>
-      </p:sp>
-      <p:sp>
-        <p:nvSpPr>
-          <p:cNvPr id="7" name="TextBox 6"/>
-          <p:cNvSpPr txBox="1"/>
-          <p:nvPr/>
-        </p:nvSpPr>
-        <p:spPr>
-          <a:xfrm>
-            <a:off x="0" y="5804209"/>
-            <a:ext cx="12192000" cy="830997"/>
-          </a:xfrm>
-          <a:prstGeom prst="rect">
-            <a:avLst/>
-          </a:prstGeom>
-          <a:noFill/>
-        </p:spPr>
-        <p:txBody>
-          <a:bodyPr wrap="square" rtlCol="0" anchor="ctr">
-            <a:spAutoFit/>
-          </a:bodyPr>
-          <a:lstStyle/>
-          <a:p>
-            <a:pPr algn="ctr"/>
-            <a:r>
-              <a:rPr lang="en-US" sz="4800" dirty="0">
-                <a:solidFill>
-                  <a:schemeClr val="bg1"/>
-                </a:solidFill>
-              </a:rPr>
-              <a:t>“O Come, All Ye Faithful</a:t>
-            </a:r>
-          </a:p>
-        </p:txBody>
-      </p:sp>
-      <p:sp>
-        <p:nvSpPr>
-          <p:cNvPr id="8" name="TextBox 7"/>
-          <p:cNvSpPr txBox="1"/>
-          <p:nvPr/>
-        </p:nvSpPr>
-        <p:spPr>
-          <a:xfrm>
-            <a:off x="0" y="1120676"/>
-            <a:ext cx="12192000" cy="2308324"/>
-          </a:xfrm>
-          <a:prstGeom prst="rect">
-            <a:avLst/>
-          </a:prstGeom>
-          <a:noFill/>
-        </p:spPr>
-        <p:txBody>
-          <a:bodyPr wrap="square" rtlCol="0">
-            <a:spAutoFit/>
-          </a:bodyPr>
-          <a:lstStyle/>
-          <a:p>
-            <a:pPr algn="ctr"/>
-            <a:r>
-              <a:rPr lang="en-US" sz="3600" dirty="0">
-                <a:solidFill>
-                  <a:schemeClr val="bg1"/>
-                </a:solidFill>
-              </a:rPr>
-              <a:t>O come let us adore him,</a:t>
-            </a:r>
-          </a:p>
-          <a:p>
-            <a:pPr algn="ctr"/>
-            <a:r>
-              <a:rPr lang="en-US" sz="3600" dirty="0">
-                <a:solidFill>
-                  <a:schemeClr val="bg1"/>
-                </a:solidFill>
-              </a:rPr>
-              <a:t>O come let us adore him,</a:t>
-            </a:r>
-          </a:p>
-          <a:p>
-            <a:pPr algn="ctr"/>
-            <a:r>
-              <a:rPr lang="en-US" sz="3600" dirty="0">
-                <a:solidFill>
-                  <a:schemeClr val="bg1"/>
-                </a:solidFill>
-              </a:rPr>
-              <a:t>O come let us adore him,</a:t>
-            </a:r>
-          </a:p>
-          <a:p>
-            <a:pPr algn="ctr"/>
-            <a:r>
-              <a:rPr lang="en-US" sz="3600" dirty="0">
-                <a:solidFill>
-                  <a:schemeClr val="bg1"/>
-                </a:solidFill>
-              </a:rPr>
-              <a:t>Christ the Lord.</a:t>
-            </a:r>
-          </a:p>
-        </p:txBody>
-      </p:sp>
-    </p:spTree>
-    <p:extLst>
-      <p:ext uri="{BB962C8B-B14F-4D97-AF65-F5344CB8AC3E}">
-        <p14:creationId xmlns:p14="http://schemas.microsoft.com/office/powerpoint/2010/main" val="537258113"/>
-      </p:ext>
-    </p:extLst>
-  </p:cSld>
-  <p:clrMapOvr>
-    <a:masterClrMapping/>
-  </p:clrMapOvr>
-</p:sld>
-</file>
-
-<file path=ppt/slides/slide5.xml><?xml version="1.0" encoding="utf-8"?>
-<p:sld xmlns:a="http://schemas.openxmlformats.org/drawingml/2006/main" xmlns:r="http://schemas.openxmlformats.org/officeDocument/2006/relationships" xmlns:p="http://schemas.openxmlformats.org/presentationml/2006/main">
-  <p:cSld>
-    <p:spTree>
-      <p:nvGrpSpPr>
-        <p:cNvPr id="1" name=""/>
-        <p:cNvGrpSpPr/>
-        <p:nvPr/>
-      </p:nvGrpSpPr>
-      <p:grpSpPr>
-        <a:xfrm>
-          <a:off x="0" y="0"/>
-          <a:ext cx="0" cy="0"/>
-          <a:chOff x="0" y="0"/>
-          <a:chExt cx="0" cy="0"/>
-        </a:xfrm>
-      </p:grpSpPr>
-      <p:sp>
-        <p:nvSpPr>
-          <p:cNvPr id="4" name="Rectangle 3"/>
-          <p:cNvSpPr/>
-          <p:nvPr/>
-        </p:nvSpPr>
-        <p:spPr>
-          <a:xfrm>
-            <a:off x="0" y="5444197"/>
-            <a:ext cx="12192000" cy="1413803"/>
-          </a:xfrm>
-          <a:prstGeom prst="rect">
-            <a:avLst/>
-          </a:prstGeom>
-          <a:gradFill flip="none" rotWithShape="1">
-            <a:gsLst>
-              <a:gs pos="0">
-                <a:srgbClr val="998675">
-                  <a:alpha val="0"/>
-                </a:srgbClr>
-              </a:gs>
-              <a:gs pos="100000">
-                <a:srgbClr val="998675"/>
-              </a:gs>
-            </a:gsLst>
-            <a:lin ang="5400000" scaled="1"/>
-            <a:tileRect/>
-          </a:gradFill>
-          <a:ln>
-            <a:noFill/>
-          </a:ln>
-        </p:spPr>
-        <p:style>
-          <a:lnRef idx="2">
-            <a:schemeClr val="accent1">
-              <a:shade val="50000"/>
-            </a:schemeClr>
-          </a:lnRef>
-          <a:fillRef idx="1">
-            <a:schemeClr val="accent1"/>
-          </a:fillRef>
-          <a:effectRef idx="0">
-            <a:schemeClr val="accent1"/>
-          </a:effectRef>
-          <a:fontRef idx="minor">
-            <a:schemeClr val="lt1"/>
-          </a:fontRef>
-        </p:style>
-        <p:txBody>
-          <a:bodyPr rtlCol="0" anchor="ctr"/>
-          <a:lstStyle/>
-          <a:p>
-            <a:pPr algn="ctr"/>
-            <a:endParaRPr lang="en-US"/>
-          </a:p>
-        </p:txBody>
-      </p:sp>
-      <p:sp>
-        <p:nvSpPr>
-          <p:cNvPr id="7" name="TextBox 6"/>
-          <p:cNvSpPr txBox="1"/>
-          <p:nvPr/>
-        </p:nvSpPr>
-        <p:spPr>
-          <a:xfrm>
-            <a:off x="0" y="5804209"/>
-            <a:ext cx="12192000" cy="830997"/>
-          </a:xfrm>
-          <a:prstGeom prst="rect">
-            <a:avLst/>
-          </a:prstGeom>
-          <a:noFill/>
-        </p:spPr>
-        <p:txBody>
-          <a:bodyPr wrap="square" rtlCol="0" anchor="ctr">
-            <a:spAutoFit/>
-          </a:bodyPr>
-          <a:lstStyle/>
-          <a:p>
-            <a:pPr algn="ctr"/>
-            <a:r>
-              <a:rPr lang="en-US" sz="4800" dirty="0">
-                <a:solidFill>
-                  <a:schemeClr val="bg1"/>
-                </a:solidFill>
-              </a:rPr>
+                <a:latin typeface="Assistant SemiBold" panose="00000700000000000000" pitchFamily="2" charset="-79"/>
+                <a:cs typeface="Assistant SemiBold" panose="00000700000000000000" pitchFamily="2" charset="-79"/>
+              </a:defRPr>
+            </a:lvl1pPr>
+          </a:lstStyle>
+          <a:p>
+            <a:r>
+              <a:rPr lang="en-US" dirty="0"/>
               <a:t>“O Come, All Ye Faithful”</a:t>
             </a:r>
-          </a:p>
-        </p:txBody>
-      </p:sp>
-      <p:sp>
-        <p:nvSpPr>
-          <p:cNvPr id="8" name="TextBox 7"/>
-          <p:cNvSpPr txBox="1"/>
-          <p:nvPr/>
-        </p:nvSpPr>
-        <p:spPr>
-          <a:xfrm>
-            <a:off x="-92765" y="719390"/>
-            <a:ext cx="12192000" cy="3970318"/>
-          </a:xfrm>
-          <a:prstGeom prst="rect">
-            <a:avLst/>
-          </a:prstGeom>
-          <a:noFill/>
-        </p:spPr>
-        <p:txBody>
-          <a:bodyPr wrap="square" rtlCol="0">
-            <a:spAutoFit/>
-          </a:bodyPr>
-          <a:lstStyle/>
-          <a:p>
-            <a:pPr algn="ctr"/>
-            <a:r>
-              <a:rPr lang="en-US" sz="3600" dirty="0">
-                <a:solidFill>
-                  <a:schemeClr val="bg1"/>
-                </a:solidFill>
-              </a:rPr>
-              <a:t>All hail! Lord, we greet Thee,</a:t>
-            </a:r>
-          </a:p>
-          <a:p>
-            <a:pPr algn="ctr"/>
-            <a:r>
-              <a:rPr lang="en-US" sz="3600" dirty="0">
-                <a:solidFill>
-                  <a:schemeClr val="bg1"/>
-                </a:solidFill>
-              </a:rPr>
-              <a:t>Born this happy morning,</a:t>
-            </a:r>
-          </a:p>
-          <a:p>
-            <a:pPr algn="ctr"/>
-            <a:endParaRPr lang="en-US" sz="3600" dirty="0">
-              <a:solidFill>
-                <a:schemeClr val="bg1"/>
-              </a:solidFill>
-            </a:endParaRPr>
-          </a:p>
-          <a:p>
-            <a:pPr algn="ctr"/>
-            <a:r>
-              <a:rPr lang="en-US" sz="3600" dirty="0">
-                <a:solidFill>
-                  <a:schemeClr val="bg1"/>
-                </a:solidFill>
-              </a:rPr>
-              <a:t>O Jesus, to Thee be all glory given;</a:t>
-            </a:r>
-          </a:p>
-          <a:p>
-            <a:pPr algn="ctr"/>
-            <a:r>
-              <a:rPr lang="en-US" sz="3600" dirty="0">
-                <a:solidFill>
-                  <a:schemeClr val="bg1"/>
-                </a:solidFill>
-              </a:rPr>
-              <a:t>Word of the Father,</a:t>
-            </a:r>
-          </a:p>
-          <a:p>
-            <a:pPr algn="ctr"/>
-            <a:r>
-              <a:rPr lang="en-US" sz="3600" dirty="0">
-                <a:solidFill>
-                  <a:schemeClr val="bg1"/>
-                </a:solidFill>
-              </a:rPr>
-              <a:t>Now in flesh appearing;</a:t>
-            </a:r>
-          </a:p>
-          <a:p>
-            <a:pPr algn="ctr"/>
-            <a:endParaRPr lang="en-US" sz="3600" dirty="0">
-              <a:solidFill>
-                <a:schemeClr val="bg1"/>
-              </a:solidFill>
-            </a:endParaRPr>
           </a:p>
         </p:txBody>
       </p:sp>
@@ -3943,194 +3616,6 @@
     <p:extLst>
       <p:ext uri="{BB962C8B-B14F-4D97-AF65-F5344CB8AC3E}">
         <p14:creationId xmlns:p14="http://schemas.microsoft.com/office/powerpoint/2010/main" val="1604771989"/>
-      </p:ext>
-    </p:extLst>
-  </p:cSld>
-  <p:clrMapOvr>
-    <a:masterClrMapping/>
-  </p:clrMapOvr>
-</p:sld>
-</file>
-
-<file path=ppt/slides/slide6.xml><?xml version="1.0" encoding="utf-8"?>
-<p:sld xmlns:a="http://schemas.openxmlformats.org/drawingml/2006/main" xmlns:r="http://schemas.openxmlformats.org/officeDocument/2006/relationships" xmlns:p="http://schemas.openxmlformats.org/presentationml/2006/main">
-  <p:cSld>
-    <p:spTree>
-      <p:nvGrpSpPr>
-        <p:cNvPr id="1" name=""/>
-        <p:cNvGrpSpPr/>
-        <p:nvPr/>
-      </p:nvGrpSpPr>
-      <p:grpSpPr>
-        <a:xfrm>
-          <a:off x="0" y="0"/>
-          <a:ext cx="0" cy="0"/>
-          <a:chOff x="0" y="0"/>
-          <a:chExt cx="0" cy="0"/>
-        </a:xfrm>
-      </p:grpSpPr>
-      <p:sp>
-        <p:nvSpPr>
-          <p:cNvPr id="4" name="Rectangle 3"/>
-          <p:cNvSpPr/>
-          <p:nvPr/>
-        </p:nvSpPr>
-        <p:spPr>
-          <a:xfrm>
-            <a:off x="0" y="5444197"/>
-            <a:ext cx="12192000" cy="1413803"/>
-          </a:xfrm>
-          <a:prstGeom prst="rect">
-            <a:avLst/>
-          </a:prstGeom>
-          <a:gradFill flip="none" rotWithShape="1">
-            <a:gsLst>
-              <a:gs pos="0">
-                <a:srgbClr val="998675">
-                  <a:alpha val="0"/>
-                </a:srgbClr>
-              </a:gs>
-              <a:gs pos="100000">
-                <a:srgbClr val="998675"/>
-              </a:gs>
-            </a:gsLst>
-            <a:lin ang="5400000" scaled="1"/>
-            <a:tileRect/>
-          </a:gradFill>
-          <a:ln>
-            <a:noFill/>
-          </a:ln>
-        </p:spPr>
-        <p:style>
-          <a:lnRef idx="2">
-            <a:schemeClr val="accent1">
-              <a:shade val="50000"/>
-            </a:schemeClr>
-          </a:lnRef>
-          <a:fillRef idx="1">
-            <a:schemeClr val="accent1"/>
-          </a:fillRef>
-          <a:effectRef idx="0">
-            <a:schemeClr val="accent1"/>
-          </a:effectRef>
-          <a:fontRef idx="minor">
-            <a:schemeClr val="lt1"/>
-          </a:fontRef>
-        </p:style>
-        <p:txBody>
-          <a:bodyPr rtlCol="0" anchor="ctr"/>
-          <a:lstStyle/>
-          <a:p>
-            <a:pPr algn="ctr"/>
-            <a:endParaRPr lang="en-US"/>
-          </a:p>
-        </p:txBody>
-      </p:sp>
-      <p:sp>
-        <p:nvSpPr>
-          <p:cNvPr id="7" name="TextBox 6"/>
-          <p:cNvSpPr txBox="1"/>
-          <p:nvPr/>
-        </p:nvSpPr>
-        <p:spPr>
-          <a:xfrm>
-            <a:off x="0" y="5804209"/>
-            <a:ext cx="12192000" cy="830997"/>
-          </a:xfrm>
-          <a:prstGeom prst="rect">
-            <a:avLst/>
-          </a:prstGeom>
-          <a:noFill/>
-        </p:spPr>
-        <p:txBody>
-          <a:bodyPr wrap="square" rtlCol="0" anchor="ctr">
-            <a:spAutoFit/>
-          </a:bodyPr>
-          <a:lstStyle/>
-          <a:p>
-            <a:pPr algn="ctr"/>
-            <a:r>
-              <a:rPr lang="en-US" sz="4800" dirty="0">
-                <a:solidFill>
-                  <a:schemeClr val="bg1"/>
-                </a:solidFill>
-              </a:rPr>
-              <a:t>“O Come, All Ye Faithful</a:t>
-            </a:r>
-          </a:p>
-        </p:txBody>
-      </p:sp>
-      <p:sp>
-        <p:nvSpPr>
-          <p:cNvPr id="8" name="TextBox 7"/>
-          <p:cNvSpPr txBox="1"/>
-          <p:nvPr/>
-        </p:nvSpPr>
-        <p:spPr>
-          <a:xfrm>
-            <a:off x="0" y="1120676"/>
-            <a:ext cx="12192000" cy="2308324"/>
-          </a:xfrm>
-          <a:prstGeom prst="rect">
-            <a:avLst/>
-          </a:prstGeom>
-          <a:noFill/>
-        </p:spPr>
-        <p:txBody>
-          <a:bodyPr wrap="square" rtlCol="0">
-            <a:spAutoFit/>
-          </a:bodyPr>
-          <a:lstStyle/>
-          <a:p>
-            <a:pPr algn="ctr"/>
-            <a:r>
-              <a:rPr lang="en-US" sz="3600" dirty="0">
-                <a:solidFill>
-                  <a:schemeClr val="bg1"/>
-                </a:solidFill>
-              </a:rPr>
-              <a:t>O come let us adore him,</a:t>
-            </a:r>
-          </a:p>
-          <a:p>
-            <a:pPr algn="ctr"/>
-            <a:r>
-              <a:rPr lang="en-US" sz="3600" dirty="0">
-                <a:solidFill>
-                  <a:schemeClr val="bg1"/>
-                </a:solidFill>
-              </a:rPr>
-              <a:t>O come let us adore him,</a:t>
-            </a:r>
-          </a:p>
-          <a:p>
-            <a:pPr algn="ctr"/>
-            <a:r>
-              <a:rPr lang="en-US" sz="3600" dirty="0">
-                <a:solidFill>
-                  <a:schemeClr val="bg1"/>
-                </a:solidFill>
-              </a:rPr>
-              <a:t>O come let us adore him,</a:t>
-            </a:r>
-          </a:p>
-          <a:p>
-            <a:pPr algn="ctr"/>
-            <a:r>
-              <a:rPr lang="en-US" sz="3600" dirty="0">
-                <a:solidFill>
-                  <a:schemeClr val="bg1"/>
-                </a:solidFill>
-              </a:rPr>
-              <a:t>Christ the Lord.</a:t>
-            </a:r>
-          </a:p>
-        </p:txBody>
-      </p:sp>
-    </p:spTree>
-    <p:extLst>
-      <p:ext uri="{BB962C8B-B14F-4D97-AF65-F5344CB8AC3E}">
-        <p14:creationId xmlns:p14="http://schemas.microsoft.com/office/powerpoint/2010/main" val="2123617286"/>
       </p:ext>
     </p:extLst>
   </p:cSld>
